--- a/data/공공자전거발표자료.pptx
+++ b/data/공공자전거발표자료.pptx
@@ -10406,7 +10406,7 @@
             </a:r>
             <a:r>
               <a:rPr lang="ko-KR" altLang="en-US" dirty="0"/>
-              <a:t>운영이 되는 환경으로 고장이 자주 환경</a:t>
+              <a:t>운영이 되는 환경으로 고장 자주 발생 예상</a:t>
             </a:r>
             <a:endParaRPr lang="en-US" altLang="ko-KR" dirty="0"/>
           </a:p>
